--- a/presentation_generate/ppt_th/GeneratedPresentations/Python教程.pptx
+++ b/presentation_generate/ppt_th/GeneratedPresentations/Python教程.pptx
@@ -40,6 +40,11 @@
     <p:sldId id="288" r:id="rId38"/>
     <p:sldId id="289" r:id="rId39"/>
     <p:sldId id="290" r:id="rId40"/>
+    <p:sldId id="291" r:id="rId41"/>
+    <p:sldId id="292" r:id="rId42"/>
+    <p:sldId id="293" r:id="rId43"/>
+    <p:sldId id="294" r:id="rId44"/>
+    <p:sldId id="295" r:id="rId45"/>
   </p:sldIdLst>
   <p:sldSz cx="12192000" cy="6858000"/>
   <p:notesSz cx="6858000" cy="9144000"/>
@@ -5795,67 +5800,45 @@
           <a:lstStyle/>
           <a:p>
             <a:r>
-              <a:t>数据类型概述：</a:t>
-            </a:r>
-          </a:p>
-          <a:p>
-            <a:r>
-              <a:t>Python支持多种数据类型，包括整数、浮点数、字符串和布尔值。了解不同数据类型的特性，有助于选择合适的类型进行数据处理。</a:t>
-            </a:r>
-          </a:p>
-          <a:p/>
-          <a:p>
-            <a:r>
-              <a:t>变量定义：</a:t>
-            </a:r>
-          </a:p>
-          <a:p>
-            <a:r>
-              <a:t>变量是用于存储数据的命名空间。Python中无需声明变量类型，直接赋值即可创建变量，使用灵活方便。</a:t>
-            </a:r>
-          </a:p>
-          <a:p/>
-          <a:p>
-            <a:r>
-              <a:t>字符串操作：</a:t>
-            </a:r>
-          </a:p>
-          <a:p>
-            <a:r>
-              <a:t>字符串是字符的序列，可以进行拼接、切片和格式化等操作。掌握字符串方法，有助于高效处理文本数据。</a:t>
-            </a:r>
-          </a:p>
-          <a:p/>
-          <a:p>
-            <a:r>
-              <a:t>列表与元组：</a:t>
-            </a:r>
-          </a:p>
-          <a:p>
-            <a:r>
-              <a:t>列表是可变的序列，而元组是不可变的序列。了解二者的区别和使用场景，有助于选择合适的数据结构。</a:t>
-            </a:r>
-          </a:p>
-          <a:p/>
-          <a:p>
-            <a:r>
-              <a:t>字典与集合：</a:t>
-            </a:r>
-          </a:p>
-          <a:p>
-            <a:r>
-              <a:t>字典是键值对的集合，集合是唯一元素的无序集合。掌握字典和集合的基本操作，可以提高数据处理效率。</a:t>
-            </a:r>
-          </a:p>
-          <a:p/>
-          <a:p>
-            <a:r>
-              <a:t>数据类型转换：</a:t>
-            </a:r>
-          </a:p>
-          <a:p>
-            <a:r>
-              <a:t>Python支持不同数据类型之间的转换，如整数和浮点数之间的转换。了解转换方法，能够有效处理不同类型的数据。</a:t>
+              <a:t>整数类型：</a:t>
+            </a:r>
+          </a:p>
+          <a:p>
+            <a:r>
+              <a:t>整数是没有小数部分的数字，可以是正数、负数或零。在Python中，整数类型的范围是无限的，主要用于计数和索引等场景。</a:t>
+            </a:r>
+          </a:p>
+          <a:p/>
+          <a:p>
+            <a:r>
+              <a:t>浮点数类型：</a:t>
+            </a:r>
+          </a:p>
+          <a:p>
+            <a:r>
+              <a:t>浮点数是带有小数部分的数字，通常用于表示精确度要求较高的数值计算。在Python中，浮点数使用双精度浮点数表示，支持科学计数法。</a:t>
+            </a:r>
+          </a:p>
+          <a:p/>
+          <a:p>
+            <a:r>
+              <a:t>字符串类型：</a:t>
+            </a:r>
+          </a:p>
+          <a:p>
+            <a:r>
+              <a:t>字符串是由字符组成的序列，用于表示文本数据。Python中的字符串可以用单引号或双引号括起来，支持多种字符串操作和格式化功能。</a:t>
+            </a:r>
+          </a:p>
+          <a:p/>
+          <a:p>
+            <a:r>
+              <a:t>布尔类型：</a:t>
+            </a:r>
+          </a:p>
+          <a:p>
+            <a:r>
+              <a:t>布尔类型只有两个值：True和False，用于逻辑判断和条件控制。布尔值在条件语句和循环中起到关键作用，帮助实现程序的流程控制。</a:t>
             </a:r>
           </a:p>
         </p:txBody>
@@ -5928,23 +5911,34 @@
           <a:lstStyle/>
           <a:p>
             <a:r>
-              <a:t>Python数据类型概述：</a:t>
-            </a:r>
-          </a:p>
-          <a:p>
-            <a:r>
-              <a:t>Python支持多种数据类型，包括整数、浮点数、字符串和布尔值等。这些数据类型各自具有不同的特性和使用场景，是编程的基础。</a:t>
-            </a:r>
-          </a:p>
-          <a:p/>
-          <a:p>
-            <a:r>
-              <a:t>变量的定义与使用：</a:t>
-            </a:r>
-          </a:p>
-          <a:p>
-            <a:r>
-              <a:t>变量用于存储数据并在程序中引用。Python中变量无需声明类型，通过赋值自动识别类型。了解变量的作用域和生命周期是编程的关键。</a:t>
+              <a:t>基本数据类型介绍：</a:t>
+            </a:r>
+          </a:p>
+          <a:p>
+            <a:r>
+              <a:t>Python的基本数据类型包括整数、浮点数、字符串和布尔值。整数用于表示数字，浮点数用于表示带小数的数字，字符串用于表示文本，布尔值用于表示真或假。这些数据类型是编程的基础，了解它们的特性至关重要。</a:t>
+            </a:r>
+          </a:p>
+          <a:p/>
+          <a:p>
+            <a:r>
+              <a:t>变量的定义与赋值：</a:t>
+            </a:r>
+          </a:p>
+          <a:p>
+            <a:r>
+              <a:t>在Python中，变量是用于存储数据的命名空间。通过赋值操作，可以将特定值存储在变量中，使用时只需引用变量名。Python支持动态类型，无需提前声明变量的数据类型。</a:t>
+            </a:r>
+          </a:p>
+          <a:p/>
+          <a:p>
+            <a:r>
+              <a:t>命名规范与最佳实践：</a:t>
+            </a:r>
+          </a:p>
+          <a:p>
+            <a:r>
+              <a:t>变量命名应遵循一定的规范，如使用小写字母、下划线分隔单词，避免使用保留字。良好的命名习惯有助于提高代码的可读性和可维护性，建议使用有意义的名称来描述变量的用途。</a:t>
             </a:r>
           </a:p>
         </p:txBody>
@@ -6073,56 +6067,45 @@
           <a:lstStyle/>
           <a:p>
             <a:r>
-              <a:t>条件语句：</a:t>
-            </a:r>
-          </a:p>
-          <a:p>
-            <a:r>
-              <a:t>Python中的条件语句使用if、elif和else来控制程序的执行流。通过条件判断，程序可以根据不同情况执行不同的代码块，从而实现动态决策。</a:t>
-            </a:r>
-          </a:p>
-          <a:p/>
-          <a:p>
-            <a:r>
-              <a:t>循环结构：</a:t>
-            </a:r>
-          </a:p>
-          <a:p>
-            <a:r>
-              <a:t>循环结构包括for和while循环，用于重复执行代码块。for循环通常用于遍历序列，while循环则在满足条件时持续执行，灵活处理多种场景。</a:t>
-            </a:r>
-          </a:p>
-          <a:p/>
-          <a:p>
-            <a:r>
-              <a:t>控制语句：</a:t>
-            </a:r>
-          </a:p>
-          <a:p>
-            <a:r>
-              <a:t>控制语句如break和continue用于控制循环的执行。break可终止循环，continue则跳过当前迭代，直接进入下一次循环，增强代码的灵活性。</a:t>
-            </a:r>
-          </a:p>
-          <a:p/>
-          <a:p>
-            <a:r>
-              <a:t>嵌套结构：</a:t>
-            </a:r>
-          </a:p>
-          <a:p>
-            <a:r>
-              <a:t>控制结构可以嵌套使用，允许在条件语句或循环内部再使用其他控制结构。这种方式可以处理复杂的逻辑关系，提升代码的可读性与功能性。</a:t>
-            </a:r>
-          </a:p>
-          <a:p/>
-          <a:p>
-            <a:r>
-              <a:t>实例演示：</a:t>
-            </a:r>
-          </a:p>
-          <a:p>
-            <a:r>
-              <a:t>通过实际代码示例展示控制结构的用法，帮助理解如何在Python中有效应用条件语句和循环结构。实例将涵盖常见的编程场景，增强学习效果。</a:t>
+              <a:t>条件语句概述：</a:t>
+            </a:r>
+          </a:p>
+          <a:p>
+            <a:r>
+              <a:t>条件语句用于根据不同条件执行不同的代码块。Python中主要使用if、elif和else语句来实现条件判断，帮助程序做出决策。</a:t>
+            </a:r>
+          </a:p>
+          <a:p/>
+          <a:p>
+            <a:r>
+              <a:t>if语句：</a:t>
+            </a:r>
+          </a:p>
+          <a:p>
+            <a:r>
+              <a:t>if语句是条件语句的基础，用于判断一个条件是否为真。如果条件为真，则执行相应的代码块，否则跳过。</a:t>
+            </a:r>
+          </a:p>
+          <a:p/>
+          <a:p>
+            <a:r>
+              <a:t>elif和else：</a:t>
+            </a:r>
+          </a:p>
+          <a:p>
+            <a:r>
+              <a:t>elif用于在if条件不成立时进行其他条件的判断，else则在所有条件都不成立时执行。这样可以实现多重条件的判断。</a:t>
+            </a:r>
+          </a:p>
+          <a:p/>
+          <a:p>
+            <a:r>
+              <a:t>嵌套条件：</a:t>
+            </a:r>
+          </a:p>
+          <a:p>
+            <a:r>
+              <a:t>条件语句可以嵌套使用，即在一个条件语句内部再包含其他条件语句。这使得程序的逻辑判断更加灵活和复杂。</a:t>
             </a:r>
           </a:p>
         </p:txBody>
@@ -6195,34 +6178,23 @@
           <a:lstStyle/>
           <a:p>
             <a:r>
-              <a:t>条件语句：</a:t>
-            </a:r>
-          </a:p>
-          <a:p>
-            <a:r>
-              <a:t>条件语句用于根据特定条件执行不同的代码块。主要包括if、elif和else语句，能够实现简单的决策逻辑，帮助程序根据输入数据做出相应的反应。</a:t>
-            </a:r>
-          </a:p>
-          <a:p/>
-          <a:p>
-            <a:r>
-              <a:t>循环结构：</a:t>
-            </a:r>
-          </a:p>
-          <a:p>
-            <a:r>
-              <a:t>循环结构允许重复执行代码块，主要有for循环和while循环。通过设置循环条件，程序可以高效地处理大量数据，减少代码冗余，提高执行效率。</a:t>
-            </a:r>
-          </a:p>
-          <a:p/>
-          <a:p>
-            <a:r>
-              <a:t>控制流示例：</a:t>
-            </a:r>
-          </a:p>
-          <a:p>
-            <a:r>
-              <a:t>通过实际示例演示条件语句和循环结构的应用。比如，使用if语句判断用户输入的数值范围，以及利用for循环遍历列表中的元素，展示控制结构的实际效果。</a:t>
+              <a:t>条件语句概述：</a:t>
+            </a:r>
+          </a:p>
+          <a:p>
+            <a:r>
+              <a:t>条件语句用于根据特定条件执行不同的代码块。常见的条件语句包括if、elif和else，能够实现逻辑判断，控制程序的执行流程。</a:t>
+            </a:r>
+          </a:p>
+          <a:p/>
+          <a:p>
+            <a:r>
+              <a:t>循环语句介绍：</a:t>
+            </a:r>
+          </a:p>
+          <a:p>
+            <a:r>
+              <a:t>循环语句用于重复执行代码块，直到满足特定条件。主要有for循环和while循环，适用于处理重复性任务，提高代码的简洁性和效率。</a:t>
             </a:r>
           </a:p>
         </p:txBody>
@@ -6351,12 +6323,89 @@
           <a:lstStyle/>
           <a:p>
             <a:r>
-              <a:t>Python中的函数与模块：</a:t>
-            </a:r>
-          </a:p>
-          <a:p>
-            <a:r>
-              <a:t>在Python中，函数是组织代码的基本单元，用于实现特定功能并提高代码的复用性。模块则是包含函数、类和变量的文件，有助于将代码逻辑分离，便于管理和维护。通过导入模块，用户可以轻松调用其中的函数，简化复杂程序的编写。学习如何定义函数、使用参数和返回值，以及如何创建和导入自定义模块是掌握Python编程的关键步骤。掌握这些概念将为后续的编程学习打下坚实的基础。</a:t>
+              <a:t>函数定义：</a:t>
+            </a:r>
+          </a:p>
+          <a:p>
+            <a:r>
+              <a:t>函数是可重用的代码块，通过def关键字定义。它可以接收参数并返回结果，提升代码的结构性和可读性。</a:t>
+            </a:r>
+          </a:p>
+          <a:p/>
+          <a:p>
+            <a:r>
+              <a:t>函数调用：</a:t>
+            </a:r>
+          </a:p>
+          <a:p>
+            <a:r>
+              <a:t>通过函数名和括号来调用函数，可以传递参数并获取返回值。正确调用函数是实现功能的关键。</a:t>
+            </a:r>
+          </a:p>
+          <a:p/>
+          <a:p>
+            <a:r>
+              <a:t>参数类型：</a:t>
+            </a:r>
+          </a:p>
+          <a:p>
+            <a:r>
+              <a:t>函数可以接收位置参数、关键字参数、默认参数和可变参数，灵活处理不同的输入，提高函数的适用性。</a:t>
+            </a:r>
+          </a:p>
+          <a:p/>
+          <a:p>
+            <a:r>
+              <a:t>返回值：</a:t>
+            </a:r>
+          </a:p>
+          <a:p>
+            <a:r>
+              <a:t>使用return语句返回函数结果，可以返回单个值或多个值。返回值用于函数与调用者之间的数据传递。</a:t>
+            </a:r>
+          </a:p>
+          <a:p/>
+          <a:p>
+            <a:r>
+              <a:t>模块概念：</a:t>
+            </a:r>
+          </a:p>
+          <a:p>
+            <a:r>
+              <a:t>模块是包含Python代码的文件，可以是函数、类或变量的集合。模块化编程有助于代码的组织和重用。</a:t>
+            </a:r>
+          </a:p>
+          <a:p/>
+          <a:p>
+            <a:r>
+              <a:t>导入模块：</a:t>
+            </a:r>
+          </a:p>
+          <a:p>
+            <a:r>
+              <a:t>使用import语句导入模块，可以使用模块中的函数和变量。支持导入标准库和自定义模块，丰富了代码功能。</a:t>
+            </a:r>
+          </a:p>
+          <a:p/>
+          <a:p>
+            <a:r>
+              <a:t>模块使用示例：</a:t>
+            </a:r>
+          </a:p>
+          <a:p>
+            <a:r>
+              <a:t>通过示例展示如何创建和使用模块，帮助理解模块的实际应用场景和编程技巧。</a:t>
+            </a:r>
+          </a:p>
+          <a:p/>
+          <a:p>
+            <a:r>
+              <a:t>最佳实践：</a:t>
+            </a:r>
+          </a:p>
+          <a:p>
+            <a:r>
+              <a:t>编写清晰、简洁的函数与模块，遵循命名规范和文档注释，确保代码可读性和可维护性。</a:t>
             </a:r>
           </a:p>
         </p:txBody>
@@ -6429,34 +6478,12 @@
           <a:lstStyle/>
           <a:p>
             <a:r>
-              <a:t>函数的定义与调用：</a:t>
-            </a:r>
-          </a:p>
-          <a:p>
-            <a:r>
-              <a:t>在Python中，函数是一个可重用的代码块，通过定义函数可以组织代码，提高可读性和效率。函数的定义使用关键字def，调用函数只需使用函数名和参数，灵活处理各种输入。</a:t>
-            </a:r>
-          </a:p>
-          <a:p/>
-          <a:p>
-            <a:r>
-              <a:t>模块的概念：</a:t>
-            </a:r>
-          </a:p>
-          <a:p>
-            <a:r>
-              <a:t>模块是Python中组织代码的方式，可以将相关的函数和变量封装在一个文件中，便于管理和重用。使用import语句可以导入模块，使用模块中的功能，提升代码的结构化。</a:t>
-            </a:r>
-          </a:p>
-          <a:p/>
-          <a:p>
-            <a:r>
-              <a:t>常用内置函数：</a:t>
-            </a:r>
-          </a:p>
-          <a:p>
-            <a:r>
-              <a:t>Python提供了丰富的内置函数，如len()、max()、min()等，方便进行常见操作。熟悉这些函数的使用，可以大大简化代码编写，提高开发效率。</a:t>
+              <a:t>模块的导入与使用：</a:t>
+            </a:r>
+          </a:p>
+          <a:p>
+            <a:r>
+              <a:t>在Python中，模块是组织代码的方式，可以将相关的函数和变量集中在一个文件中。导入模块的方法有两种：使用import语句或from...import语句。使用import语句时，可以通过模块名访问模块中的函数和变量，例如：import math，使用时调用math.sqrt()；而使用from...import语句则可以直接调用模块中的特定函数，例如：from math import sqrt，直接使用sqrt()。掌握模块的导入与使用，可以提高代码的复用性和可维护性。</a:t>
             </a:r>
           </a:p>
         </p:txBody>
@@ -6590,18 +6617,51 @@
           </a:p>
           <a:p>
             <a:r>
-              <a:t>在Python中，类是对象的蓝图。使用关键字class定义类，类内部可以包含属性和方法。属性用于存储对象的状态，方法用于定义对象的行为。</a:t>
-            </a:r>
-          </a:p>
-          <a:p/>
-          <a:p>
-            <a:r>
-              <a:t>对象的创建：</a:t>
-            </a:r>
-          </a:p>
-          <a:p>
-            <a:r>
-              <a:t>通过类实例化对象，使用类名加括号创建对象。对象可以访问类中的属性和方法，实现数据封装和操作。</a:t>
+              <a:t>类是对象的蓝图，定义了对象的属性和方法。使用class关键字创建类，类的实例化可以通过调用类名来实现。</a:t>
+            </a:r>
+          </a:p>
+          <a:p/>
+          <a:p>
+            <a:r>
+              <a:t>实例化对象：</a:t>
+            </a:r>
+          </a:p>
+          <a:p>
+            <a:r>
+              <a:t>通过类创建对象时，使用类名加括号进行实例化。实例化后，可以访问类中的属性和方法，进行对象的操作。</a:t>
+            </a:r>
+          </a:p>
+          <a:p/>
+          <a:p>
+            <a:r>
+              <a:t>构造方法：</a:t>
+            </a:r>
+          </a:p>
+          <a:p>
+            <a:r>
+              <a:t>构造方法__init__用于初始化对象的属性。它在实例化时自动调用，可以传入参数来设置对象的初始状态。</a:t>
+            </a:r>
+          </a:p>
+          <a:p/>
+          <a:p>
+            <a:r>
+              <a:t>类的属性：</a:t>
+            </a:r>
+          </a:p>
+          <a:p>
+            <a:r>
+              <a:t>类属性是属于类本身的变量，而实例属性是属于每个实例的。可以通过类名或实例对象访问属性，了解对象的状态。</a:t>
+            </a:r>
+          </a:p>
+          <a:p/>
+          <a:p>
+            <a:r>
+              <a:t>类的方法：</a:t>
+            </a:r>
+          </a:p>
+          <a:p>
+            <a:r>
+              <a:t>类的方法定义了对象的行为，使用def关键字进行定义。实例方法可以访问实例属性，静态方法和类方法则有不同的调用方式。</a:t>
             </a:r>
           </a:p>
           <a:p/>
@@ -6612,18 +6672,7 @@
           </a:p>
           <a:p>
             <a:r>
-              <a:t>继承允许新类基于现有类创建，复用代码和增加功能。多态则允许不同类的对象以相同方式调用方法，增强代码灵活性和可扩展性。</a:t>
-            </a:r>
-          </a:p>
-          <a:p/>
-          <a:p>
-            <a:r>
-              <a:t>封装与私有属性：</a:t>
-            </a:r>
-          </a:p>
-          <a:p>
-            <a:r>
-              <a:t>封装是将数据和操作封装在对象内部，限制外部访问。通过在属性名前加双下划线实现私有属性，保护对象的内部状态，增强安全性。</a:t>
+              <a:t>面向对象编程支持继承，允许子类继承父类的属性和方法。多态则允许不同类的对象以相同的方式调用相同的方法，提高代码的灵活性。</a:t>
             </a:r>
           </a:p>
         </p:txBody>
@@ -6730,17 +6779,27 @@
           </a:p>
           <a:p>
             <a:r>
+              <a:t>异常处理</a:t>
+            </a:r>
+          </a:p>
+          <a:p>
+            <a:r>
               <a:t>文件操作</a:t>
             </a:r>
           </a:p>
           <a:p>
             <a:r>
-              <a:t>异常处理</a:t>
-            </a:r>
-          </a:p>
-          <a:p>
-            <a:r>
-              <a:t>常用库与框架</a:t>
+              <a:t>标准库与第三方库</a:t>
+            </a:r>
+          </a:p>
+          <a:p>
+            <a:r>
+              <a:t>网络编程</a:t>
+            </a:r>
+          </a:p>
+          <a:p>
+            <a:r>
+              <a:t>数据库操作</a:t>
             </a:r>
           </a:p>
           <a:p>
@@ -6806,45 +6865,45 @@
           <a:lstStyle/>
           <a:p>
             <a:r>
-              <a:t>面向对象简介：</a:t>
-            </a:r>
-          </a:p>
-          <a:p>
-            <a:r>
-              <a:t>面向对象编程（OOP）是一种编程范式，使用“对象”来表示数据和方法。它强调封装、继承和多态，使程序更易于理解和维护。</a:t>
-            </a:r>
-          </a:p>
-          <a:p/>
-          <a:p>
-            <a:r>
-              <a:t>类与对象：</a:t>
-            </a:r>
-          </a:p>
-          <a:p>
-            <a:r>
-              <a:t>类是对象的蓝图，定义了对象的属性和行为。对象是类的实例，通过类创建，具有类中定义的特征和功能。</a:t>
-            </a:r>
-          </a:p>
-          <a:p/>
-          <a:p>
-            <a:r>
-              <a:t>封装与继承：</a:t>
-            </a:r>
-          </a:p>
-          <a:p>
-            <a:r>
-              <a:t>封装是将数据和方法绑定在一起，限制外部访问。继承允许新类从现有类获取属性和方法，促进代码重用。</a:t>
-            </a:r>
-          </a:p>
-          <a:p/>
-          <a:p>
-            <a:r>
-              <a:t>多态性：</a:t>
-            </a:r>
-          </a:p>
-          <a:p>
-            <a:r>
-              <a:t>多态性允许不同类的对象以相同的方式响应相同的方法调用，提高代码的灵活性和可扩展性。通过方法重写实现多态。</a:t>
+              <a:t>继承的概念：</a:t>
+            </a:r>
+          </a:p>
+          <a:p>
+            <a:r>
+              <a:t>继承是面向对象编程的核心特性之一，允许一个类（子类）继承另一个类（父类）的属性和方法。通过继承，可以实现代码的重用，简化程序设计，提高开发效率。</a:t>
+            </a:r>
+          </a:p>
+          <a:p/>
+          <a:p>
+            <a:r>
+              <a:t>多态的定义：</a:t>
+            </a:r>
+          </a:p>
+          <a:p>
+            <a:r>
+              <a:t>多态是指不同类的对象可以通过相同的接口调用方法。它允许程序在运行时根据对象的实际类型调用相应的方法，增强了程序的灵活性和可扩展性。</a:t>
+            </a:r>
+          </a:p>
+          <a:p/>
+          <a:p>
+            <a:r>
+              <a:t>使用示例：</a:t>
+            </a:r>
+          </a:p>
+          <a:p>
+            <a:r>
+              <a:t>通过实际代码示例演示继承与多态的应用。展示如何创建一个父类和多个子类，以及如何通过父类引用调用子类的方法，体现多态的特性。</a:t>
+            </a:r>
+          </a:p>
+          <a:p/>
+          <a:p>
+            <a:r>
+              <a:t>应用场景：</a:t>
+            </a:r>
+          </a:p>
+          <a:p>
+            <a:r>
+              <a:t>继承与多态在软件开发中广泛应用，如框架设计、插件系统等。它们帮助开发者构建可维护、可扩展的代码结构，适应不断变化的需求。</a:t>
             </a:r>
           </a:p>
         </p:txBody>
@@ -6900,7 +6959,7 @@
           <a:lstStyle/>
           <a:p>
             <a:r>
-              <a:t>文件操作</a:t>
+              <a:t>异常处理</a:t>
             </a:r>
           </a:p>
         </p:txBody>
@@ -6973,34 +7032,23 @@
           <a:lstStyle/>
           <a:p>
             <a:r>
-              <a:t>文件读写基础：</a:t>
-            </a:r>
-          </a:p>
-          <a:p>
-            <a:r>
-              <a:t>学习如何使用Python进行文件的读取和写入操作。掌握基本的文件打开、关闭、读取和写入方法，理解文件模式（如读、写、追加）对操作的影响。</a:t>
-            </a:r>
-          </a:p>
-          <a:p/>
-          <a:p>
-            <a:r>
-              <a:t>文件处理模块：</a:t>
-            </a:r>
-          </a:p>
-          <a:p>
-            <a:r>
-              <a:t>介绍Python中的内置模块，如os和shutil，用于文件和目录的管理。了解如何使用这些模块进行文件路径操作、文件复制、移动和删除等功能。</a:t>
-            </a:r>
-          </a:p>
-          <a:p/>
-          <a:p>
-            <a:r>
-              <a:t>异常处理机制：</a:t>
-            </a:r>
-          </a:p>
-          <a:p>
-            <a:r>
-              <a:t>学习在文件操作中如何使用异常处理，确保程序的健壮性。通过try-except语句捕获文件操作中的常见错误，如文件未找到或权限错误，提升代码的稳定性。</a:t>
+              <a:t>异常的定义：</a:t>
+            </a:r>
+          </a:p>
+          <a:p>
+            <a:r>
+              <a:t>异常是程序执行过程中发生的意外事件，通常会导致程序中断。理解异常的概念有助于提升代码的健壮性和可维护性。</a:t>
+            </a:r>
+          </a:p>
+          <a:p/>
+          <a:p>
+            <a:r>
+              <a:t>异常的类型：</a:t>
+            </a:r>
+          </a:p>
+          <a:p>
+            <a:r>
+              <a:t>Python中常见的异常类型包括SyntaxError、TypeError、ValueError等。熟悉这些异常类型能够帮助开发者更好地调试和处理错误。</a:t>
             </a:r>
           </a:p>
         </p:txBody>
@@ -7073,67 +7121,12 @@
           <a:lstStyle/>
           <a:p>
             <a:r>
-              <a:t>文件读取：</a:t>
-            </a:r>
-          </a:p>
-          <a:p>
-            <a:r>
-              <a:t>使用Python内置函数打开文件，通过读取模式获取文件内容。支持文本和二进制文件的读取，常用方法包括read()、readline()和readlines()。</a:t>
-            </a:r>
-          </a:p>
-          <a:p/>
-          <a:p>
-            <a:r>
-              <a:t>文件写入：</a:t>
-            </a:r>
-          </a:p>
-          <a:p>
-            <a:r>
-              <a:t>通过写入模式创建或修改文件，使用write()和writelines()方法将数据写入文件。注意文件的覆盖和追加模式选择，以防数据丢失。</a:t>
-            </a:r>
-          </a:p>
-          <a:p/>
-          <a:p>
-            <a:r>
-              <a:t>文件关闭：</a:t>
-            </a:r>
-          </a:p>
-          <a:p>
-            <a:r>
-              <a:t>操作完成后，使用close()方法关闭文件，释放系统资源。推荐使用with语句自动管理文件关闭，确保文件安全性和稳定性。</a:t>
-            </a:r>
-          </a:p>
-          <a:p/>
-          <a:p>
-            <a:r>
-              <a:t>文件路径：</a:t>
-            </a:r>
-          </a:p>
-          <a:p>
-            <a:r>
-              <a:t>处理文件时需注意路径的正确性，支持相对路径和绝对路径。使用os模块获取文件路径，确保跨平台兼容性。</a:t>
-            </a:r>
-          </a:p>
-          <a:p/>
-          <a:p>
-            <a:r>
-              <a:t>异常处理：</a:t>
-            </a:r>
-          </a:p>
-          <a:p>
-            <a:r>
-              <a:t>在文件操作中使用try-except语句处理可能出现的异常情况，如文件未找到或权限不足，确保程序的健壮性和用户体验。</a:t>
-            </a:r>
-          </a:p>
-          <a:p/>
-          <a:p>
-            <a:r>
-              <a:t>文件操作实例：</a:t>
-            </a:r>
-          </a:p>
-          <a:p>
-            <a:r>
-              <a:t>通过示例代码演示文件的读取、写入和异常处理的实际应用，帮助理解Python文件操作的基本流程及注意事项。</a:t>
+              <a:t>异常处理的基本方法：</a:t>
+            </a:r>
+          </a:p>
+          <a:p>
+            <a:r>
+              <a:t>异常处理是编程中确保程序稳健性的重要手段。Python提供了try、except、else和finally关键字来处理异常。使用try块包裹可能抛出异常的代码，如果发生异常，程序会跳转到except块中处理该异常。else块在try块无异常时执行，而finally块无论是否发生异常都会执行，常用于清理资源。掌握这些基本方法可以有效提高代码的稳定性，避免程序崩溃。</a:t>
             </a:r>
           </a:p>
         </p:txBody>
@@ -7189,7 +7182,7 @@
           <a:lstStyle/>
           <a:p>
             <a:r>
-              <a:t>异常处理</a:t>
+              <a:t>文件操作</a:t>
             </a:r>
           </a:p>
         </p:txBody>
@@ -7262,45 +7255,23 @@
           <a:lstStyle/>
           <a:p>
             <a:r>
-              <a:t>异常概述：</a:t>
-            </a:r>
-          </a:p>
-          <a:p>
-            <a:r>
-              <a:t>异常是程序运行时出现的错误情况，Python通过异常处理机制来捕获和处理这些错误，确保程序的稳定性和可靠性。了解异常的基本概念是编写健壮代码的第一步。</a:t>
-            </a:r>
-          </a:p>
-          <a:p/>
-          <a:p>
-            <a:r>
-              <a:t>常见异常类型：</a:t>
-            </a:r>
-          </a:p>
-          <a:p>
-            <a:r>
-              <a:t>Python中常见的异常类型包括IndexError、KeyError、ValueError等。每种异常都有特定的含义，理解这些异常有助于快速定位和解决代码中的问题。</a:t>
-            </a:r>
-          </a:p>
-          <a:p/>
-          <a:p>
-            <a:r>
-              <a:t>异常处理语法：</a:t>
-            </a:r>
-          </a:p>
-          <a:p>
-            <a:r>
-              <a:t>使用try...except语句可以捕获异常。try块中放置可能引发异常的代码，except块则处理捕获到的异常。可以通过多个except块来处理不同类型的异常。</a:t>
-            </a:r>
-          </a:p>
-          <a:p/>
-          <a:p>
-            <a:r>
-              <a:t>自定义异常：</a:t>
-            </a:r>
-          </a:p>
-          <a:p>
-            <a:r>
-              <a:t>Python允许用户定义自己的异常类，以便处理特定的错误情况。通过继承Exception类，可以创建自定义异常，并在代码中使用raise语句抛出它们。</a:t>
+              <a:t>文件读写基本概念：</a:t>
+            </a:r>
+          </a:p>
+          <a:p>
+            <a:r>
+              <a:t>文件读写是Python中处理数据的重要方式。通过打开文件，可以读取其内容或将数据写入文件。掌握文件操作是进行数据持久化的基础。</a:t>
+            </a:r>
+          </a:p>
+          <a:p/>
+          <a:p>
+            <a:r>
+              <a:t>常用方法示例：</a:t>
+            </a:r>
+          </a:p>
+          <a:p>
+            <a:r>
+              <a:t>使用'open()'函数打开文件，结合'mode'参数选择读（'r'）或写（'w'）模式。通过'read()'、'write()'等方法进行具体操作，确保数据的正确处理。</a:t>
             </a:r>
           </a:p>
         </p:txBody>
@@ -7373,12 +7344,34 @@
           <a:lstStyle/>
           <a:p>
             <a:r>
-              <a:t>Python异常处理概述：</a:t>
-            </a:r>
-          </a:p>
-          <a:p>
-            <a:r>
-              <a:t>在Python中，异常处理是确保程序稳定性的重要机制。通过使用try、except语句，程序能够捕获并处理运行时错误，避免程序崩溃。关键字finally用于定义无论是否发生异常都要执行的代码。异常处理不仅提高了代码的健壮性，还使得错误信息更易于理解。掌握异常处理的技巧，可以帮助开发者更有效地调试和维护代码，提高开发效率。</a:t>
+              <a:t>文件读写基础：</a:t>
+            </a:r>
+          </a:p>
+          <a:p>
+            <a:r>
+              <a:t>文件的读写是Python中最基本的操作之一。使用内置的open()函数可以打开文件，使用read(), write()等方法进行数据的读取和写入。掌握这些基础知识是进行文件处理的第一步。</a:t>
+            </a:r>
+          </a:p>
+          <a:p/>
+          <a:p>
+            <a:r>
+              <a:t>常用读写模式：</a:t>
+            </a:r>
+          </a:p>
+          <a:p>
+            <a:r>
+              <a:t>Python支持多种文件读写模式，包括'r'（只读）、'w'（写入，覆盖）、'a'（追加）等。选择合适的模式是确保数据正确读写的关键。了解这些模式的区别有助于避免数据丢失。</a:t>
+            </a:r>
+          </a:p>
+          <a:p/>
+          <a:p>
+            <a:r>
+              <a:t>异常处理技巧：</a:t>
+            </a:r>
+          </a:p>
+          <a:p>
+            <a:r>
+              <a:t>在文件操作中，可能会遇到文件不存在、权限不足等异常情况。使用try-except语句可以有效捕获这些异常，确保程序的健壮性。合理的异常处理可以提高用户体验，避免程序崩溃。</a:t>
             </a:r>
           </a:p>
         </p:txBody>
@@ -7434,7 +7427,7 @@
           <a:lstStyle/>
           <a:p>
             <a:r>
-              <a:t>常用库与框架</a:t>
+              <a:t>标准库与第三方库</a:t>
             </a:r>
           </a:p>
         </p:txBody>
@@ -7507,23 +7500,67 @@
           <a:lstStyle/>
           <a:p>
             <a:r>
-              <a:t>K1库概述：</a:t>
-            </a:r>
-          </a:p>
-          <a:p>
-            <a:r>
-              <a:t>K1是Python中的一个强大库，主要用于数据处理和分析。它提供了丰富的功能和灵活的接口，能够简化复杂的数据操作，提高开发效率。</a:t>
-            </a:r>
-          </a:p>
-          <a:p/>
-          <a:p>
-            <a:r>
-              <a:t>K1的主要功能：</a:t>
-            </a:r>
-          </a:p>
-          <a:p>
-            <a:r>
-              <a:t>K1库支持高效的数据操作、数据清洗和数据可视化等功能。用户可以利用K1库快速处理大规模数据集，生成直观的图表，帮助决策分析。</a:t>
+              <a:t>标准库概述：</a:t>
+            </a:r>
+          </a:p>
+          <a:p>
+            <a:r>
+              <a:t>Python标准库是Python自带的模块集合，提供了多种功能，方便开发者进行各种编程任务。了解标准库可以提高开发效率，减少外部依赖。</a:t>
+            </a:r>
+          </a:p>
+          <a:p/>
+          <a:p>
+            <a:r>
+              <a:t>os模块：</a:t>
+            </a:r>
+          </a:p>
+          <a:p>
+            <a:r>
+              <a:t>os模块提供了与操作系统交互的功能，如文件和目录操作。它允许程序员执行系统命令，管理文件系统，方便处理文件路径和环境变量。</a:t>
+            </a:r>
+          </a:p>
+          <a:p/>
+          <a:p>
+            <a:r>
+              <a:t>sys模块：</a:t>
+            </a:r>
+          </a:p>
+          <a:p>
+            <a:r>
+              <a:t>sys模块提供对Python解释器的访问，包含命令行参数、标准输入输出等功能。它对调试和优化代码非常有帮助，尤其在处理程序执行环境时。</a:t>
+            </a:r>
+          </a:p>
+          <a:p/>
+          <a:p>
+            <a:r>
+              <a:t>datetime模块：</a:t>
+            </a:r>
+          </a:p>
+          <a:p>
+            <a:r>
+              <a:t>datetime模块用于处理日期和时间，提供丰富的操作功能。它可以进行日期计算、格式化输出等，适用于时间相关的应用场景。</a:t>
+            </a:r>
+          </a:p>
+          <a:p/>
+          <a:p>
+            <a:r>
+              <a:t>json模块：</a:t>
+            </a:r>
+          </a:p>
+          <a:p>
+            <a:r>
+              <a:t>json模块用于处理JSON数据格式，提供了编码和解码功能。它在数据交换和存储中非常常用，便于实现与Web API的交互。</a:t>
+            </a:r>
+          </a:p>
+          <a:p/>
+          <a:p>
+            <a:r>
+              <a:t>requests库：</a:t>
+            </a:r>
+          </a:p>
+          <a:p>
+            <a:r>
+              <a:t>requests是一个流行的第三方库，用于发送HTTP请求，简化网络交互。它提供了简单易用的接口，适合进行API调用和数据抓取。</a:t>
             </a:r>
           </a:p>
         </p:txBody>
@@ -7596,34 +7633,56 @@
           <a:lstStyle/>
           <a:p>
             <a:r>
-              <a:t>K库简介：</a:t>
-            </a:r>
-          </a:p>
-          <a:p>
-            <a:r>
-              <a:t>K库是一个功能强大的Python库，旨在简化数据处理和分析。它提供了丰富的工具和函数，帮助开发者高效地完成数据清洗、转换和可视化等任务。</a:t>
-            </a:r>
-          </a:p>
-          <a:p/>
-          <a:p>
-            <a:r>
-              <a:t>K1模块功能：</a:t>
-            </a:r>
-          </a:p>
-          <a:p>
-            <a:r>
-              <a:t>K1模块专注于数据操作，提供了灵活的API接口，使得数据的增删改查变得简单。用户可以快速实现数据的筛选、排序和聚合等操作，提高工作效率。</a:t>
-            </a:r>
-          </a:p>
-          <a:p/>
-          <a:p>
-            <a:r>
-              <a:t>K2模块应用场景：</a:t>
-            </a:r>
-          </a:p>
-          <a:p>
-            <a:r>
-              <a:t>K2模块主要用于数据可视化，支持多种图表类型的绘制。它能够帮助用户将复杂的数据以直观的方式展示，便于分析和决策。</a:t>
+              <a:t>标准库概述：</a:t>
+            </a:r>
+          </a:p>
+          <a:p>
+            <a:r>
+              <a:t>Python标准库是Python自带的模块集合，提供了丰富的功能，涵盖文件操作、数据处理、网络编程等多方面，帮助开发者高效完成任务。</a:t>
+            </a:r>
+          </a:p>
+          <a:p/>
+          <a:p>
+            <a:r>
+              <a:t>常用标准库：</a:t>
+            </a:r>
+          </a:p>
+          <a:p>
+            <a:r>
+              <a:t>常用的标准库包括os、sys、json、re等，分别用于操作系统接口、系统参数、JSON数据处理和正则表达式，极大地简化了编程工作。</a:t>
+            </a:r>
+          </a:p>
+          <a:p/>
+          <a:p>
+            <a:r>
+              <a:t>第三方库介绍：</a:t>
+            </a:r>
+          </a:p>
+          <a:p>
+            <a:r>
+              <a:t>第三方库是由社区开发的模块，扩展了Python的功能，如NumPy、Pandas、Requests等，适用于数据分析、科学计算和网络请求等场景。</a:t>
+            </a:r>
+          </a:p>
+          <a:p/>
+          <a:p>
+            <a:r>
+              <a:t>安装第三方库：</a:t>
+            </a:r>
+          </a:p>
+          <a:p>
+            <a:r>
+              <a:t>使用pip工具可以方便地安装第三方库。在命令行中输入“pip install 库名”，即可快速下载和安装所需库，确保项目依赖完整。</a:t>
+            </a:r>
+          </a:p>
+          <a:p/>
+          <a:p>
+            <a:r>
+              <a:t>使用示例：</a:t>
+            </a:r>
+          </a:p>
+          <a:p>
+            <a:r>
+              <a:t>通过实际代码示例展示如何调用标准库和第三方库，帮助理解其用法和应用场景，例如使用Requests库进行HTTP请求，或用Pandas处理数据。</a:t>
             </a:r>
           </a:p>
         </p:txBody>
@@ -7735,7 +7794,7 @@
           <a:lstStyle/>
           <a:p>
             <a:r>
-              <a:t>项目实战</a:t>
+              <a:t>网络编程</a:t>
             </a:r>
           </a:p>
         </p:txBody>
@@ -7808,89 +7867,12 @@
           <a:lstStyle/>
           <a:p>
             <a:r>
-              <a:t>项目背景：</a:t>
-            </a:r>
-          </a:p>
-          <a:p>
-            <a:r>
-              <a:t>介绍本项目的背景和目的，阐明为何选择此项目进行实战练习，帮助学员理解项目的重要性及实用性。</a:t>
-            </a:r>
-          </a:p>
-          <a:p/>
-          <a:p>
-            <a:r>
-              <a:t>项目目标：</a:t>
-            </a:r>
-          </a:p>
-          <a:p>
-            <a:r>
-              <a:t>明确项目的最终目标，包括所需实现的功能和预期成果，帮助学员聚焦于关键任务，提升学习效率。</a:t>
-            </a:r>
-          </a:p>
-          <a:p/>
-          <a:p>
-            <a:r>
-              <a:t>技术栈：</a:t>
-            </a:r>
-          </a:p>
-          <a:p>
-            <a:r>
-              <a:t>列出项目中使用的主要技术和工具，如Python版本、相关库和框架，确保学员了解所需的技术基础。</a:t>
-            </a:r>
-          </a:p>
-          <a:p/>
-          <a:p>
-            <a:r>
-              <a:t>项目步骤：</a:t>
-            </a:r>
-          </a:p>
-          <a:p>
-            <a:r>
-              <a:t>详细描述项目实施的步骤，包括需求分析、设计、开发、测试和部署等环节，为学员提供清晰的操作指引。</a:t>
-            </a:r>
-          </a:p>
-          <a:p/>
-          <a:p>
-            <a:r>
-              <a:t>代码示例：</a:t>
-            </a:r>
-          </a:p>
-          <a:p>
-            <a:r>
-              <a:t>提供关键代码片段及其解释，帮助学员理解项目实现的核心逻辑和方法，提升编程能力。</a:t>
-            </a:r>
-          </a:p>
-          <a:p/>
-          <a:p>
-            <a:r>
-              <a:t>常见问题：</a:t>
-            </a:r>
-          </a:p>
-          <a:p>
-            <a:r>
-              <a:t>总结在项目实施过程中可能遇到的常见问题及解决方案，帮助学员快速应对挑战，减少学习障碍。</a:t>
-            </a:r>
-          </a:p>
-          <a:p/>
-          <a:p>
-            <a:r>
-              <a:t>项目总结：</a:t>
-            </a:r>
-          </a:p>
-          <a:p>
-            <a:r>
-              <a:t>回顾项目实施过程中的收获与体会，鼓励学员反思学习成果，巩固知识与技能，为后续学习打下基础。</a:t>
-            </a:r>
-          </a:p>
-          <a:p/>
-          <a:p>
-            <a:r>
-              <a:t>后续学习：</a:t>
-            </a:r>
-          </a:p>
-          <a:p>
-            <a:r>
-              <a:t>建议学员在完成项目后继续深入学习相关知识，提供推荐的学习资源和进阶项目，帮助其不断提升技能。</a:t>
+              <a:t>网络编程基础概述：</a:t>
+            </a:r>
+          </a:p>
+          <a:p>
+            <a:r>
+              <a:t>网络编程基础主要涉及计算机网络的基本概念与编程技术。它包括网络协议（如TCP/IP）、套接字编程、客户端与服务器模型等核心内容。通过学习网络编程，开发者能够创建能够在网络上进行通信的应用程序。常用的编程语言如Python提供了丰富的库和工具，使得网络编程更加高效与简便。掌握这些基础知识，能够为后续深入学习网络应用开发打下坚实的基础。</a:t>
             </a:r>
           </a:p>
         </p:txBody>
@@ -7963,12 +7945,45 @@
           <a:lstStyle/>
           <a:p>
             <a:r>
-              <a:t>项目实战：L2阶段：</a:t>
-            </a:r>
-          </a:p>
-          <a:p>
-            <a:r>
-              <a:t>L2阶段专注于项目的深入开发与优化。在这一阶段，我们将实现核心功能，进行代码重构，并优化性能。团队成员将进行模块划分，确保各自负责的部分能够高效协作。同时，我们会定期召开会议，评估进度与解决问题。最终目标是实现一个稳定、可扩展的项目版本，为后续的测试和上线做好准备。通过这一阶段的努力，确保项目的质量与用户体验达到预期标准。</a:t>
+              <a:t>Socket简介：</a:t>
+            </a:r>
+          </a:p>
+          <a:p>
+            <a:r>
+              <a:t>Socket是网络编程的基础，提供了一种在网络中进行数据传输的机制。它允许程序在不同主机之间进行通信，支持多种协议，如TCP和UDP。</a:t>
+            </a:r>
+          </a:p>
+          <a:p/>
+          <a:p>
+            <a:r>
+              <a:t>Socket类型：</a:t>
+            </a:r>
+          </a:p>
+          <a:p>
+            <a:r>
+              <a:t>主要有两种类型的Socket：流式Socket和数据报Socket。流式Socket（TCP）提供可靠的、面向连接的通信，而数据报Socket（UDP）则提供不可靠的、无连接的通信。</a:t>
+            </a:r>
+          </a:p>
+          <a:p/>
+          <a:p>
+            <a:r>
+              <a:t>Socket编程步骤：</a:t>
+            </a:r>
+          </a:p>
+          <a:p>
+            <a:r>
+              <a:t>Socket编程通常包括以下步骤：创建Socket、绑定地址、监听连接、接受连接、发送和接收数据、关闭Socket。每一步都至关重要，确保数据的正确传输。</a:t>
+            </a:r>
+          </a:p>
+          <a:p/>
+          <a:p>
+            <a:r>
+              <a:t>示例代码：</a:t>
+            </a:r>
+          </a:p>
+          <a:p>
+            <a:r>
+              <a:t>以下是一个简单的Socket编程示例：创建一个TCP服务器，监听特定端口，接受客户端连接，并进行数据交换。代码清晰易懂，适合初学者学习和实践。</a:t>
             </a:r>
           </a:p>
         </p:txBody>
@@ -8024,7 +8039,7 @@
           <a:lstStyle/>
           <a:p>
             <a:r>
-              <a:t>总结与展望</a:t>
+              <a:t>数据库操作</a:t>
             </a:r>
           </a:p>
         </p:txBody>
@@ -8097,56 +8112,34 @@
           <a:lstStyle/>
           <a:p>
             <a:r>
-              <a:t>课程回顾：</a:t>
-            </a:r>
-          </a:p>
-          <a:p>
-            <a:r>
-              <a:t>总结Python教程中的关键知识点，包括基础语法、数据结构、函数与模块等，帮助学员巩固所学内容，提升编程能力。</a:t>
-            </a:r>
-          </a:p>
-          <a:p/>
-          <a:p>
-            <a:r>
-              <a:t>学习成果：</a:t>
-            </a:r>
-          </a:p>
-          <a:p>
-            <a:r>
-              <a:t>通过本教程，学员已掌握Python编程的基本技能，能够独立编写简单程序，解决实际问题，具备一定的编程思维。</a:t>
-            </a:r>
-          </a:p>
-          <a:p/>
-          <a:p>
-            <a:r>
-              <a:t>未来方向：</a:t>
-            </a:r>
-          </a:p>
-          <a:p>
-            <a:r>
-              <a:t>展望未来，学员可以深入学习数据分析、机器学习等领域，利用Python进行更复杂的项目开发，拓宽职业发展路径。</a:t>
-            </a:r>
-          </a:p>
-          <a:p/>
-          <a:p>
-            <a:r>
-              <a:t>资源推荐：</a:t>
-            </a:r>
-          </a:p>
-          <a:p>
-            <a:r>
-              <a:t>建议学员继续参考优秀的在线课程、书籍和社区资源，保持学习热情，及时更新知识，提升编程能力。</a:t>
-            </a:r>
-          </a:p>
-          <a:p/>
-          <a:p>
-            <a:r>
-              <a:t>交流与反馈：</a:t>
-            </a:r>
-          </a:p>
-          <a:p>
-            <a:r>
-              <a:t>鼓励学员在学习过程中积极交流与分享经验，提出问题和建议，以便共同进步，提升学习效果。</a:t>
+              <a:t>数据库概述：</a:t>
+            </a:r>
+          </a:p>
+          <a:p>
+            <a:r>
+              <a:t>数据库是用于存储、管理和检索数据的系统。它能够高效地组织和处理大量信息，支持多用户并发访问，确保数据的完整性和安全性。了解数据库的基本概念是进行数据库操作的前提。</a:t>
+            </a:r>
+          </a:p>
+          <a:p/>
+          <a:p>
+            <a:r>
+              <a:t>常见数据库类型：</a:t>
+            </a:r>
+          </a:p>
+          <a:p>
+            <a:r>
+              <a:t>主要有关系型数据库（如MySQL、PostgreSQL）和非关系型数据库（如MongoDB、Redis）。关系型数据库使用表格结构，适合复杂查询；非关系型数据库灵活性高，适合大规模数据存储。</a:t>
+            </a:r>
+          </a:p>
+          <a:p/>
+          <a:p>
+            <a:r>
+              <a:t>数据库基本术语：</a:t>
+            </a:r>
+          </a:p>
+          <a:p>
+            <a:r>
+              <a:t>了解数据库中的基本术语，如表、记录、字段、主键和外键等，是学习数据库操作的基础。这些术语帮助我们理解数据的组织方式和如何进行有效的查询与管理。</a:t>
             </a:r>
           </a:p>
         </p:txBody>
@@ -8219,23 +8212,89 @@
           <a:lstStyle/>
           <a:p>
             <a:r>
-              <a:t>Python学习总结：</a:t>
-            </a:r>
-          </a:p>
-          <a:p>
-            <a:r>
-              <a:t>本部分总结了Python教程的核心内容，包括基础语法、数据结构、函数及模块的使用，帮助学习者回顾关键知识点。</a:t>
-            </a:r>
-          </a:p>
-          <a:p/>
-          <a:p>
-            <a:r>
-              <a:t>未来学习展望：</a:t>
-            </a:r>
-          </a:p>
-          <a:p>
-            <a:r>
-              <a:t>展望未来，建议深入学习Python的高级特性，如面向对象编程、异步编程和数据分析库，提升编程能力和应用范围。</a:t>
+              <a:t>SQLite简介：</a:t>
+            </a:r>
+          </a:p>
+          <a:p>
+            <a:r>
+              <a:t>SQLite是一种轻量级的关系数据库管理系统，具有零配置、跨平台等特点，广泛用于小型应用和嵌入式系统。</a:t>
+            </a:r>
+          </a:p>
+          <a:p/>
+          <a:p>
+            <a:r>
+              <a:t>安装SQLite：</a:t>
+            </a:r>
+          </a:p>
+          <a:p>
+            <a:r>
+              <a:t>在Python中使用SQLite非常简单，只需通过pip安装sqlite3模块即可，无需额外安装数据库软件。</a:t>
+            </a:r>
+          </a:p>
+          <a:p/>
+          <a:p>
+            <a:r>
+              <a:t>创建数据库：</a:t>
+            </a:r>
+          </a:p>
+          <a:p>
+            <a:r>
+              <a:t>使用sqlite3.connect()方法可以创建新的SQLite数据库，若数据库文件已存在，则直接连接到该文件。</a:t>
+            </a:r>
+          </a:p>
+          <a:p/>
+          <a:p>
+            <a:r>
+              <a:t>创建数据表：</a:t>
+            </a:r>
+          </a:p>
+          <a:p>
+            <a:r>
+              <a:t>通过执行SQL语句CREATE TABLE，可以在SQLite中创建数据表，定义表的字段及其数据类型。</a:t>
+            </a:r>
+          </a:p>
+          <a:p/>
+          <a:p>
+            <a:r>
+              <a:t>插入数据：</a:t>
+            </a:r>
+          </a:p>
+          <a:p>
+            <a:r>
+              <a:t>使用INSERT INTO语句可以向表中插入数据，支持单条和多条记录的插入，确保数据的完整性。</a:t>
+            </a:r>
+          </a:p>
+          <a:p/>
+          <a:p>
+            <a:r>
+              <a:t>查询数据：</a:t>
+            </a:r>
+          </a:p>
+          <a:p>
+            <a:r>
+              <a:t>通过SELECT语句可以从数据表中查询数据，支持条件筛选、排序和分组，灵活获取所需信息。</a:t>
+            </a:r>
+          </a:p>
+          <a:p/>
+          <a:p>
+            <a:r>
+              <a:t>更新和删除：</a:t>
+            </a:r>
+          </a:p>
+          <a:p>
+            <a:r>
+              <a:t>使用UPDATE和DELETE语句可以更新和删除数据，确保对数据的管理和维护，避免冗余信息。</a:t>
+            </a:r>
+          </a:p>
+          <a:p/>
+          <a:p>
+            <a:r>
+              <a:t>事务管理：</a:t>
+            </a:r>
+          </a:p>
+          <a:p>
+            <a:r>
+              <a:t>SQLite支持事务处理，使用BEGIN、COMMIT和ROLLBACK语句可以确保数据操作的原子性和一致性。</a:t>
             </a:r>
           </a:p>
         </p:txBody>
@@ -8248,6 +8307,373 @@
           </p:cNvSpPr>
           <p:nvPr>
             <p:ph type="body" idx="2" sz="half"/>
+          </p:nvPr>
+        </p:nvSpPr>
+        <p:spPr/>
+        <p:txBody>
+          <a:bodyPr/>
+          <a:lstStyle/>
+          <a:p/>
+        </p:txBody>
+      </p:sp>
+    </p:spTree>
+  </p:cSld>
+  <p:clrMapOvr>
+    <a:masterClrMapping/>
+  </p:clrMapOvr>
+</p:sld>
+</file>
+
+<file path=ppt/slides/slide36.xml><?xml version="1.0" encoding="utf-8"?>
+<p:sld xmlns:a="http://schemas.openxmlformats.org/drawingml/2006/main" xmlns:p="http://schemas.openxmlformats.org/presentationml/2006/main" xmlns:r="http://schemas.openxmlformats.org/officeDocument/2006/relationships">
+  <p:cSld>
+    <p:spTree>
+      <p:nvGrpSpPr>
+        <p:cNvPr id="1" name=""/>
+        <p:cNvGrpSpPr/>
+        <p:nvPr/>
+      </p:nvGrpSpPr>
+      <p:grpSpPr/>
+      <p:sp>
+        <p:nvSpPr>
+          <p:cNvPr id="2" name="Title 1"/>
+          <p:cNvSpPr>
+            <a:spLocks noGrp="1"/>
+          </p:cNvSpPr>
+          <p:nvPr>
+            <p:ph type="title"/>
+          </p:nvPr>
+        </p:nvSpPr>
+        <p:spPr/>
+        <p:txBody>
+          <a:bodyPr/>
+          <a:lstStyle/>
+          <a:p>
+            <a:r>
+              <a:t>项目实战</a:t>
+            </a:r>
+          </a:p>
+        </p:txBody>
+      </p:sp>
+      <p:sp>
+        <p:nvSpPr>
+          <p:cNvPr id="3" name="Text Placeholder 2"/>
+          <p:cNvSpPr>
+            <a:spLocks noGrp="1"/>
+          </p:cNvSpPr>
+          <p:nvPr>
+            <p:ph type="body" idx="1"/>
+          </p:nvPr>
+        </p:nvSpPr>
+        <p:spPr/>
+        <p:txBody>
+          <a:bodyPr/>
+          <a:lstStyle/>
+          <a:p/>
+        </p:txBody>
+      </p:sp>
+    </p:spTree>
+  </p:cSld>
+  <p:clrMapOvr>
+    <a:masterClrMapping/>
+  </p:clrMapOvr>
+</p:sld>
+</file>
+
+<file path=ppt/slides/slide37.xml><?xml version="1.0" encoding="utf-8"?>
+<p:sld xmlns:a="http://schemas.openxmlformats.org/drawingml/2006/main" xmlns:p="http://schemas.openxmlformats.org/presentationml/2006/main" xmlns:r="http://schemas.openxmlformats.org/officeDocument/2006/relationships">
+  <p:cSld>
+    <p:spTree>
+      <p:nvGrpSpPr>
+        <p:cNvPr id="1" name=""/>
+        <p:cNvGrpSpPr/>
+        <p:nvPr/>
+      </p:nvGrpSpPr>
+      <p:grpSpPr/>
+      <p:sp>
+        <p:nvSpPr>
+          <p:cNvPr id="2" name="Title 1"/>
+          <p:cNvSpPr>
+            <a:spLocks noGrp="1"/>
+          </p:cNvSpPr>
+          <p:nvPr>
+            <p:ph type="title"/>
+          </p:nvPr>
+        </p:nvSpPr>
+        <p:spPr/>
+        <p:txBody>
+          <a:bodyPr/>
+          <a:lstStyle/>
+          <a:p/>
+        </p:txBody>
+      </p:sp>
+      <p:sp>
+        <p:nvSpPr>
+          <p:cNvPr id="3" name="Content Placeholder 2"/>
+          <p:cNvSpPr>
+            <a:spLocks noGrp="1"/>
+          </p:cNvSpPr>
+          <p:nvPr>
+            <p:ph idx="1"/>
+          </p:nvPr>
+        </p:nvSpPr>
+        <p:spPr/>
+        <p:txBody>
+          <a:bodyPr/>
+          <a:lstStyle/>
+          <a:p>
+            <a:r>
+              <a:t>项目背景：</a:t>
+            </a:r>
+          </a:p>
+          <a:p>
+            <a:r>
+              <a:t>本项目旨在通过实际案例帮助学员掌握Python应用，提升编程能力，解决实际问题。将结合具体需求进行深入分析与实现。</a:t>
+            </a:r>
+          </a:p>
+          <a:p/>
+          <a:p>
+            <a:r>
+              <a:t>目标用户：</a:t>
+            </a:r>
+          </a:p>
+          <a:p>
+            <a:r>
+              <a:t>确定项目的目标用户群体，分析其需求和使用场景，确保项目功能能够满足用户的实际需求并提升用户体验。</a:t>
+            </a:r>
+          </a:p>
+          <a:p/>
+          <a:p>
+            <a:r>
+              <a:t>功能需求：</a:t>
+            </a:r>
+          </a:p>
+          <a:p>
+            <a:r>
+              <a:t>明确项目的核心功能，包括用户注册、数据处理、结果展示等，确保功能设计合理、实用，并符合用户期望。</a:t>
+            </a:r>
+          </a:p>
+          <a:p/>
+          <a:p>
+            <a:r>
+              <a:t>技术选型：</a:t>
+            </a:r>
+          </a:p>
+          <a:p>
+            <a:r>
+              <a:t>选择适合项目的技术栈，包括Python框架、数据库等，确保技术方案能够支持项目需求，并具有良好的扩展性和维护性。</a:t>
+            </a:r>
+          </a:p>
+          <a:p/>
+          <a:p>
+            <a:r>
+              <a:t>项目时间表：</a:t>
+            </a:r>
+          </a:p>
+          <a:p>
+            <a:r>
+              <a:t>制定详细的项目时间表，划分阶段性目标，确保各个环节按时完成，推动项目顺利进行，及时调整计划以应对变化。</a:t>
+            </a:r>
+          </a:p>
+          <a:p/>
+          <a:p>
+            <a:r>
+              <a:t>风险评估：</a:t>
+            </a:r>
+          </a:p>
+          <a:p>
+            <a:r>
+              <a:t>识别项目可能面临的风险，包括技术风险、时间风险等，制定相应的应对策略，确保项目能够顺利推进并达到预期目标。</a:t>
+            </a:r>
+          </a:p>
+          <a:p/>
+          <a:p>
+            <a:r>
+              <a:t>团队分工：</a:t>
+            </a:r>
+          </a:p>
+          <a:p>
+            <a:r>
+              <a:t>明确项目团队成员的角色与职责，确保每个成员都能充分发挥其特长，增强团队协作，提升项目效率。</a:t>
+            </a:r>
+          </a:p>
+          <a:p/>
+          <a:p>
+            <a:r>
+              <a:t>总结与展望：</a:t>
+            </a:r>
+          </a:p>
+          <a:p>
+            <a:r>
+              <a:t>对项目需求分析进行总结，评估需求的合理性与可行性，为后续开发阶段提供指导，展望项目实施后的效果与价值。</a:t>
+            </a:r>
+          </a:p>
+        </p:txBody>
+      </p:sp>
+      <p:sp>
+        <p:nvSpPr>
+          <p:cNvPr id="4" name="Text Placeholder 3"/>
+          <p:cNvSpPr>
+            <a:spLocks noGrp="1"/>
+          </p:cNvSpPr>
+          <p:nvPr>
+            <p:ph type="body" idx="2" sz="half"/>
+          </p:nvPr>
+        </p:nvSpPr>
+        <p:spPr/>
+        <p:txBody>
+          <a:bodyPr/>
+          <a:lstStyle/>
+          <a:p/>
+        </p:txBody>
+      </p:sp>
+    </p:spTree>
+  </p:cSld>
+  <p:clrMapOvr>
+    <a:masterClrMapping/>
+  </p:clrMapOvr>
+</p:sld>
+</file>
+
+<file path=ppt/slides/slide38.xml><?xml version="1.0" encoding="utf-8"?>
+<p:sld xmlns:a="http://schemas.openxmlformats.org/drawingml/2006/main" xmlns:p="http://schemas.openxmlformats.org/presentationml/2006/main" xmlns:r="http://schemas.openxmlformats.org/officeDocument/2006/relationships">
+  <p:cSld>
+    <p:spTree>
+      <p:nvGrpSpPr>
+        <p:cNvPr id="1" name=""/>
+        <p:cNvGrpSpPr/>
+        <p:nvPr/>
+      </p:nvGrpSpPr>
+      <p:grpSpPr/>
+      <p:sp>
+        <p:nvSpPr>
+          <p:cNvPr id="2" name="Title 1"/>
+          <p:cNvSpPr>
+            <a:spLocks noGrp="1"/>
+          </p:cNvSpPr>
+          <p:nvPr>
+            <p:ph type="title"/>
+          </p:nvPr>
+        </p:nvSpPr>
+        <p:spPr/>
+        <p:txBody>
+          <a:bodyPr/>
+          <a:lstStyle/>
+          <a:p/>
+        </p:txBody>
+      </p:sp>
+      <p:sp>
+        <p:nvSpPr>
+          <p:cNvPr id="3" name="Content Placeholder 2"/>
+          <p:cNvSpPr>
+            <a:spLocks noGrp="1"/>
+          </p:cNvSpPr>
+          <p:nvPr>
+            <p:ph idx="1"/>
+          </p:nvPr>
+        </p:nvSpPr>
+        <p:spPr/>
+        <p:txBody>
+          <a:bodyPr/>
+          <a:lstStyle/>
+          <a:p>
+            <a:r>
+              <a:t>项目目标与背景：</a:t>
+            </a:r>
+          </a:p>
+          <a:p>
+            <a:r>
+              <a:t>本项目旨在通过实际案例，帮助学员理解Python在项目中的应用。通过分析项目需求，明确项目目标，确保开发过程的顺利进行。</a:t>
+            </a:r>
+          </a:p>
+          <a:p/>
+          <a:p>
+            <a:r>
+              <a:t>需求分析方法：</a:t>
+            </a:r>
+          </a:p>
+          <a:p>
+            <a:r>
+              <a:t>采用用户访谈、问卷调查等方法收集需求，分析用户痛点和期望。通过整理需求文档，确保开发团队对项目目标的清晰理解。</a:t>
+            </a:r>
+          </a:p>
+          <a:p/>
+          <a:p>
+            <a:r>
+              <a:t>项目总结与反思：</a:t>
+            </a:r>
+          </a:p>
+          <a:p>
+            <a:r>
+              <a:t>项目结束后，进行总结与反思，评估项目实施效果，识别问题与不足。通过总结经验教训，为未来项目提供指导，持续优化开发流程。</a:t>
+            </a:r>
+          </a:p>
+        </p:txBody>
+      </p:sp>
+      <p:sp>
+        <p:nvSpPr>
+          <p:cNvPr id="4" name="Text Placeholder 3"/>
+          <p:cNvSpPr>
+            <a:spLocks noGrp="1"/>
+          </p:cNvSpPr>
+          <p:nvPr>
+            <p:ph type="body" idx="2" sz="half"/>
+          </p:nvPr>
+        </p:nvSpPr>
+        <p:spPr/>
+        <p:txBody>
+          <a:bodyPr/>
+          <a:lstStyle/>
+          <a:p/>
+        </p:txBody>
+      </p:sp>
+    </p:spTree>
+  </p:cSld>
+  <p:clrMapOvr>
+    <a:masterClrMapping/>
+  </p:clrMapOvr>
+</p:sld>
+</file>
+
+<file path=ppt/slides/slide39.xml><?xml version="1.0" encoding="utf-8"?>
+<p:sld xmlns:a="http://schemas.openxmlformats.org/drawingml/2006/main" xmlns:p="http://schemas.openxmlformats.org/presentationml/2006/main" xmlns:r="http://schemas.openxmlformats.org/officeDocument/2006/relationships">
+  <p:cSld>
+    <p:spTree>
+      <p:nvGrpSpPr>
+        <p:cNvPr id="1" name=""/>
+        <p:cNvGrpSpPr/>
+        <p:nvPr/>
+      </p:nvGrpSpPr>
+      <p:grpSpPr/>
+      <p:sp>
+        <p:nvSpPr>
+          <p:cNvPr id="2" name="Title 1"/>
+          <p:cNvSpPr>
+            <a:spLocks noGrp="1"/>
+          </p:cNvSpPr>
+          <p:nvPr>
+            <p:ph type="title"/>
+          </p:nvPr>
+        </p:nvSpPr>
+        <p:spPr/>
+        <p:txBody>
+          <a:bodyPr/>
+          <a:lstStyle/>
+          <a:p>
+            <a:r>
+              <a:t>总结与展望</a:t>
+            </a:r>
+          </a:p>
+        </p:txBody>
+      </p:sp>
+      <p:sp>
+        <p:nvSpPr>
+          <p:cNvPr id="3" name="Text Placeholder 2"/>
+          <p:cNvSpPr>
+            <a:spLocks noGrp="1"/>
+          </p:cNvSpPr>
+          <p:nvPr>
+            <p:ph type="body" idx="1"/>
           </p:nvPr>
         </p:nvSpPr>
         <p:spPr/>
@@ -8308,12 +8734,178 @@
           <a:lstStyle/>
           <a:p>
             <a:r>
-              <a:t>Python环境搭建步骤：</a:t>
-            </a:r>
-          </a:p>
-          <a:p>
-            <a:r>
-              <a:t>在开始Python编程之前，首先需要搭建开发环境。主要步骤包括：1) 下载Python安装包，建议使用官网最新版本；2) 安装过程中选择添加Python到系统环境变量；3) 验证安装成功，打开命令行输入“python --version”；4) 安装集成开发环境（IDE），如PyCharm或VS Code，以便于编写和调试代码；5) 配置Python库，使用pip安装常用库，如NumPy和Pandas。完成这些步骤后，即可开始Python编程学习之旅。</a:t>
+              <a:t>下载Python：</a:t>
+            </a:r>
+          </a:p>
+          <a:p>
+            <a:r>
+              <a:t>访问Python官方网站，选择适合你操作系统的版本进行下载。建议下载最新的稳定版本，以确保获得最新的功能和安全性。</a:t>
+            </a:r>
+          </a:p>
+          <a:p/>
+          <a:p>
+            <a:r>
+              <a:t>安装步骤：</a:t>
+            </a:r>
+          </a:p>
+          <a:p>
+            <a:r>
+              <a:t>运行下载的安装程序，选择“添加Python到环境变量”选项，按照提示完成安装。安装过程中可选择自定义设置以满足特定需求。</a:t>
+            </a:r>
+          </a:p>
+          <a:p/>
+          <a:p>
+            <a:r>
+              <a:t>验证安装：</a:t>
+            </a:r>
+          </a:p>
+          <a:p>
+            <a:r>
+              <a:t>打开命令行工具，输入“python --version”命令，检查Python是否成功安装。如果显示版本号，则安装成功。</a:t>
+            </a:r>
+          </a:p>
+          <a:p/>
+          <a:p>
+            <a:r>
+              <a:t>安装包管理工具：</a:t>
+            </a:r>
+          </a:p>
+          <a:p>
+            <a:r>
+              <a:t>确保安装pip工具，pip是Python的包管理器，可以通过命令“python -m ensurepip”来安装。使用pip可以方便地安装和管理Python库。</a:t>
+            </a:r>
+          </a:p>
+          <a:p/>
+          <a:p>
+            <a:r>
+              <a:t>配置开发环境：</a:t>
+            </a:r>
+          </a:p>
+          <a:p>
+            <a:r>
+              <a:t>选择合适的IDE或文本编辑器，如PyCharm、VS Code等，进行Python开发环境的配置。根据个人喜好进行插件和主题的设置，提高开发效率。</a:t>
+            </a:r>
+          </a:p>
+        </p:txBody>
+      </p:sp>
+      <p:sp>
+        <p:nvSpPr>
+          <p:cNvPr id="4" name="Text Placeholder 3"/>
+          <p:cNvSpPr>
+            <a:spLocks noGrp="1"/>
+          </p:cNvSpPr>
+          <p:nvPr>
+            <p:ph type="body" idx="2" sz="half"/>
+          </p:nvPr>
+        </p:nvSpPr>
+        <p:spPr/>
+        <p:txBody>
+          <a:bodyPr/>
+          <a:lstStyle/>
+          <a:p/>
+        </p:txBody>
+      </p:sp>
+    </p:spTree>
+  </p:cSld>
+  <p:clrMapOvr>
+    <a:masterClrMapping/>
+  </p:clrMapOvr>
+</p:sld>
+</file>
+
+<file path=ppt/slides/slide40.xml><?xml version="1.0" encoding="utf-8"?>
+<p:sld xmlns:a="http://schemas.openxmlformats.org/drawingml/2006/main" xmlns:p="http://schemas.openxmlformats.org/presentationml/2006/main" xmlns:r="http://schemas.openxmlformats.org/officeDocument/2006/relationships">
+  <p:cSld>
+    <p:spTree>
+      <p:nvGrpSpPr>
+        <p:cNvPr id="1" name=""/>
+        <p:cNvGrpSpPr/>
+        <p:nvPr/>
+      </p:nvGrpSpPr>
+      <p:grpSpPr/>
+      <p:sp>
+        <p:nvSpPr>
+          <p:cNvPr id="2" name="Title 1"/>
+          <p:cNvSpPr>
+            <a:spLocks noGrp="1"/>
+          </p:cNvSpPr>
+          <p:nvPr>
+            <p:ph type="title"/>
+          </p:nvPr>
+        </p:nvSpPr>
+        <p:spPr/>
+        <p:txBody>
+          <a:bodyPr/>
+          <a:lstStyle/>
+          <a:p/>
+        </p:txBody>
+      </p:sp>
+      <p:sp>
+        <p:nvSpPr>
+          <p:cNvPr id="3" name="Content Placeholder 2"/>
+          <p:cNvSpPr>
+            <a:spLocks noGrp="1"/>
+          </p:cNvSpPr>
+          <p:nvPr>
+            <p:ph idx="1"/>
+          </p:nvPr>
+        </p:nvSpPr>
+        <p:spPr/>
+        <p:txBody>
+          <a:bodyPr/>
+          <a:lstStyle/>
+          <a:p>
+            <a:r>
+              <a:t>学习收获：</a:t>
+            </a:r>
+          </a:p>
+          <a:p>
+            <a:r>
+              <a:t>通过Python教程，掌握了基础语法、数据结构及常用库的使用，提升了编程能力。对Python的理解加深，为后续学习打下坚实基础。</a:t>
+            </a:r>
+          </a:p>
+          <a:p/>
+          <a:p>
+            <a:r>
+              <a:t>实践应用：</a:t>
+            </a:r>
+          </a:p>
+          <a:p>
+            <a:r>
+              <a:t>在实际项目中应用所学知识，完成数据分析、自动化脚本及Web开发等任务，增强了实际操作能力，提升了解决问题的效率。</a:t>
+            </a:r>
+          </a:p>
+          <a:p/>
+          <a:p>
+            <a:r>
+              <a:t>未来计划：</a:t>
+            </a:r>
+          </a:p>
+          <a:p>
+            <a:r>
+              <a:t>计划深入学习高级主题，如机器学习、数据科学及Web框架，以拓宽技术视野，提升职业竞争力，探索更广泛的应用领域。</a:t>
+            </a:r>
+          </a:p>
+          <a:p/>
+          <a:p>
+            <a:r>
+              <a:t>资源推荐：</a:t>
+            </a:r>
+          </a:p>
+          <a:p>
+            <a:r>
+              <a:t>推荐优质学习资源，包括在线课程、编程书籍和社区论坛，帮助持续学习与交流，获取最新技术动态和实用技巧。</a:t>
+            </a:r>
+          </a:p>
+          <a:p/>
+          <a:p>
+            <a:r>
+              <a:t>总结反思：</a:t>
+            </a:r>
+          </a:p>
+          <a:p>
+            <a:r>
+              <a:t>回顾学习过程，分析成功经验与不足之处，制定改进计划，保持学习热情，确保在Python学习道路上不断进步。</a:t>
             </a:r>
           </a:p>
         </p:txBody>
@@ -8386,89 +8978,34 @@
           <a:lstStyle/>
           <a:p>
             <a:r>
-              <a:t>环境准备：</a:t>
-            </a:r>
-          </a:p>
-          <a:p>
-            <a:r>
-              <a:t>确保计算机上安装了Python，并配置好相关的开发工具。推荐使用Anaconda或PyCharm等IDE，简化开发流程。</a:t>
-            </a:r>
-          </a:p>
-          <a:p/>
-          <a:p>
-            <a:r>
-              <a:t>依赖安装：</a:t>
-            </a:r>
-          </a:p>
-          <a:p>
-            <a:r>
-              <a:t>根据项目需要安装相关的Python库，如NumPy、Pandas等。使用pip或conda命令进行安装，确保依赖项完整。</a:t>
-            </a:r>
-          </a:p>
-          <a:p/>
-          <a:p>
-            <a:r>
-              <a:t>路径配置：</a:t>
-            </a:r>
-          </a:p>
-          <a:p>
-            <a:r>
-              <a:t>设置Python环境变量，确保在命令行中可以直接运行Python。根据操作系统的不同，配置方法略有差异。</a:t>
-            </a:r>
-          </a:p>
-          <a:p/>
-          <a:p>
-            <a:r>
-              <a:t>虚拟环境：</a:t>
-            </a:r>
-          </a:p>
-          <a:p>
-            <a:r>
-              <a:t>建议使用虚拟环境管理工具，如venv或virtualenv，创建独立的开发环境，避免库冲突，便于项目管理。</a:t>
-            </a:r>
-          </a:p>
-          <a:p/>
-          <a:p>
-            <a:r>
-              <a:t>IDE设置：</a:t>
-            </a:r>
-          </a:p>
-          <a:p>
-            <a:r>
-              <a:t>根据个人喜好配置IDE，设置代码格式化、代码提示和调试功能，提高开发效率，提升编程体验。</a:t>
-            </a:r>
-          </a:p>
-          <a:p/>
-          <a:p>
-            <a:r>
-              <a:t>测试环境：</a:t>
-            </a:r>
-          </a:p>
-          <a:p>
-            <a:r>
-              <a:t>搭建测试环境，确保代码在不同环境下的兼容性。使用pytest等测试框架进行单元测试和集成测试。</a:t>
-            </a:r>
-          </a:p>
-          <a:p/>
-          <a:p>
-            <a:r>
-              <a:t>常见问题：</a:t>
-            </a:r>
-          </a:p>
-          <a:p>
-            <a:r>
-              <a:t>解决环境搭建中可能遇到的问题，如库版本不兼容、路径错误等。查阅文档或在线社区获取帮助。</a:t>
-            </a:r>
-          </a:p>
-          <a:p/>
-          <a:p>
-            <a:r>
-              <a:t>学习资源：</a:t>
-            </a:r>
-          </a:p>
-          <a:p>
-            <a:r>
-              <a:t>推荐使用官方文档、在线课程和编程书籍等资源，提升Python编程能力，掌握更多实用技巧。</a:t>
+              <a:t>安装Python步骤：</a:t>
+            </a:r>
+          </a:p>
+          <a:p>
+            <a:r>
+              <a:t>访问Python官方网站下载适合您操作系统的安装包，双击运行安装程序，按照提示完成安装。确保勾选“Add Python to PATH”选项，以便在命令行中直接使用Python。</a:t>
+            </a:r>
+          </a:p>
+          <a:p/>
+          <a:p>
+            <a:r>
+              <a:t>选择合适版本：</a:t>
+            </a:r>
+          </a:p>
+          <a:p>
+            <a:r>
+              <a:t>根据项目需求选择Python版本，推荐使用最新的稳定版本。注意某些库可能对版本有依赖，确保与项目兼容，以避免后续开发中的问题。</a:t>
+            </a:r>
+          </a:p>
+          <a:p/>
+          <a:p>
+            <a:r>
+              <a:t>验证安装成功：</a:t>
+            </a:r>
+          </a:p>
+          <a:p>
+            <a:r>
+              <a:t>安装完成后，打开命令行，输入“python --version”或“python3 --version”验证安装是否成功。如果显示版本信息，则安装成功，可以开始使用Python进行开发。</a:t>
             </a:r>
           </a:p>
         </p:txBody>
@@ -8597,45 +9134,12 @@
           <a:lstStyle/>
           <a:p>
             <a:r>
-              <a:t>变量与数据类型：</a:t>
-            </a:r>
-          </a:p>
-          <a:p>
-            <a:r>
-              <a:t>Python支持多种数据类型，包括整数、浮点数、字符串和布尔值。变量无需声明类型，直接赋值即可。了解如何使用这些基本类型是编程的第一步。</a:t>
-            </a:r>
-          </a:p>
-          <a:p/>
-          <a:p>
-            <a:r>
-              <a:t>控制结构：</a:t>
-            </a:r>
-          </a:p>
-          <a:p>
-            <a:r>
-              <a:t>控制结构用于控制程序的执行流程，包括条件语句（if、elif、else）和循环（for、while）。掌握这些结构可以帮助我们实现复杂的逻辑。</a:t>
-            </a:r>
-          </a:p>
-          <a:p/>
-          <a:p>
-            <a:r>
-              <a:t>函数定义：</a:t>
-            </a:r>
-          </a:p>
-          <a:p>
-            <a:r>
-              <a:t>函数是组织代码的基本单位，通过def关键字定义。函数可以接收参数并返回结果，帮助提高代码的重用性和可读性。</a:t>
-            </a:r>
-          </a:p>
-          <a:p/>
-          <a:p>
-            <a:r>
-              <a:t>错误与异常处理：</a:t>
-            </a:r>
-          </a:p>
-          <a:p>
-            <a:r>
-              <a:t>Python提供了try、except语句来捕获和处理异常。通过合理的异常处理，可以提高程序的健壮性，避免因错误导致程序崩溃。</a:t>
+              <a:t>Python基本语法规则：</a:t>
+            </a:r>
+          </a:p>
+          <a:p>
+            <a:r>
+              <a:t>Python的基本语法规则包括：1）缩进：Python使用缩进来表示代码块，建议使用四个空格；2）变量命名：变量名应简洁且有意义，不能以数字开头，区分大小写；3）注释：使用#进行单行注释，使用三引号进行多行注释；4）数据类型：Python支持多种数据类型，如整数、浮点数、字符串和布尔值；5）控制结构：包括条件语句（if）、循环语句（for、while）等，帮助实现逻辑控制。掌握这些基础语法规则是学习Python编程的第一步。</a:t>
             </a:r>
           </a:p>
         </p:txBody>
@@ -8708,23 +9212,23 @@
           <a:lstStyle/>
           <a:p>
             <a:r>
-              <a:t>D类型数据介绍：</a:t>
-            </a:r>
-          </a:p>
-          <a:p>
-            <a:r>
-              <a:t>D类型数据是Python中一种重要的数据结构，通常用于存储和处理多维数组。它支持多种操作，如索引、切片和运算，方便用户进行数据分析和科学计算。</a:t>
-            </a:r>
-          </a:p>
-          <a:p/>
-          <a:p>
-            <a:r>
-              <a:t>D类型数据应用：</a:t>
-            </a:r>
-          </a:p>
-          <a:p>
-            <a:r>
-              <a:t>D类型数据广泛应用于数据分析、机器学习等领域，能够高效处理大规模数据集，提升计算性能。掌握D类型数据的使用将有助于提高编程能力和数据处理效率。</a:t>
+              <a:t>注释的作用：</a:t>
+            </a:r>
+          </a:p>
+          <a:p>
+            <a:r>
+              <a:t>注释用于解释代码，提升可读性，方便他人理解和维护。Python支持单行注释和多行注释，使用#和'''或"""来实现。</a:t>
+            </a:r>
+          </a:p>
+          <a:p/>
+          <a:p>
+            <a:r>
+              <a:t>文档字符串的使用：</a:t>
+            </a:r>
+          </a:p>
+          <a:p>
+            <a:r>
+              <a:t>文档字符串（docstring）用于描述模块、类和函数的功能。它们位于定义的开头，使用三重引号包围，便于生成文档和帮助信息。</a:t>
             </a:r>
           </a:p>
         </p:txBody>
